--- a/python_learing/deep_learing/演示.pptx
+++ b/python_learing/deep_learing/演示.pptx
@@ -7,6 +7,9 @@
   <p:sldIdLst>
     <p:sldId id="256" r:id="rId2"/>
     <p:sldId id="257" r:id="rId3"/>
+    <p:sldId id="258" r:id="rId4"/>
+    <p:sldId id="259" r:id="rId5"/>
+    <p:sldId id="260" r:id="rId6"/>
   </p:sldIdLst>
   <p:sldSz cx="12192000" cy="6858000"/>
   <p:notesSz cx="6858000" cy="9144000"/>
@@ -105,6 +108,11 @@
       </a:defRPr>
     </a:lvl9pPr>
   </p:defaultTextStyle>
+  <p:extLst>
+    <p:ext uri="{EFAFB233-063F-42B5-8137-9DF3F51BA10A}">
+      <p15:sldGuideLst xmlns:p15="http://schemas.microsoft.com/office/powerpoint/2012/main"/>
+    </p:ext>
+  </p:extLst>
 </p:presentation>
 </file>
 
@@ -255,7 +263,7 @@
           <a:p>
             <a:fld id="{A5375E63-EA1B-4A03-8D52-4A855D3BF6C3}" type="datetimeFigureOut">
               <a:rPr lang="zh-CN" altLang="en-US" smtClean="0"/>
-              <a:t>2021/7/2/Fri</a:t>
+              <a:t>2021/7/8/Thu</a:t>
             </a:fld>
             <a:endParaRPr lang="zh-CN" altLang="en-US"/>
           </a:p>
@@ -453,7 +461,7 @@
           <a:p>
             <a:fld id="{A5375E63-EA1B-4A03-8D52-4A855D3BF6C3}" type="datetimeFigureOut">
               <a:rPr lang="zh-CN" altLang="en-US" smtClean="0"/>
-              <a:t>2021/7/2/Fri</a:t>
+              <a:t>2021/7/8/Thu</a:t>
             </a:fld>
             <a:endParaRPr lang="zh-CN" altLang="en-US"/>
           </a:p>
@@ -661,7 +669,7 @@
           <a:p>
             <a:fld id="{A5375E63-EA1B-4A03-8D52-4A855D3BF6C3}" type="datetimeFigureOut">
               <a:rPr lang="zh-CN" altLang="en-US" smtClean="0"/>
-              <a:t>2021/7/2/Fri</a:t>
+              <a:t>2021/7/8/Thu</a:t>
             </a:fld>
             <a:endParaRPr lang="zh-CN" altLang="en-US"/>
           </a:p>
@@ -859,7 +867,7 @@
           <a:p>
             <a:fld id="{A5375E63-EA1B-4A03-8D52-4A855D3BF6C3}" type="datetimeFigureOut">
               <a:rPr lang="zh-CN" altLang="en-US" smtClean="0"/>
-              <a:t>2021/7/2/Fri</a:t>
+              <a:t>2021/7/8/Thu</a:t>
             </a:fld>
             <a:endParaRPr lang="zh-CN" altLang="en-US"/>
           </a:p>
@@ -1134,7 +1142,7 @@
           <a:p>
             <a:fld id="{A5375E63-EA1B-4A03-8D52-4A855D3BF6C3}" type="datetimeFigureOut">
               <a:rPr lang="zh-CN" altLang="en-US" smtClean="0"/>
-              <a:t>2021/7/2/Fri</a:t>
+              <a:t>2021/7/8/Thu</a:t>
             </a:fld>
             <a:endParaRPr lang="zh-CN" altLang="en-US"/>
           </a:p>
@@ -1399,7 +1407,7 @@
           <a:p>
             <a:fld id="{A5375E63-EA1B-4A03-8D52-4A855D3BF6C3}" type="datetimeFigureOut">
               <a:rPr lang="zh-CN" altLang="en-US" smtClean="0"/>
-              <a:t>2021/7/2/Fri</a:t>
+              <a:t>2021/7/8/Thu</a:t>
             </a:fld>
             <a:endParaRPr lang="zh-CN" altLang="en-US"/>
           </a:p>
@@ -1811,7 +1819,7 @@
           <a:p>
             <a:fld id="{A5375E63-EA1B-4A03-8D52-4A855D3BF6C3}" type="datetimeFigureOut">
               <a:rPr lang="zh-CN" altLang="en-US" smtClean="0"/>
-              <a:t>2021/7/2/Fri</a:t>
+              <a:t>2021/7/8/Thu</a:t>
             </a:fld>
             <a:endParaRPr lang="zh-CN" altLang="en-US"/>
           </a:p>
@@ -1952,7 +1960,7 @@
           <a:p>
             <a:fld id="{A5375E63-EA1B-4A03-8D52-4A855D3BF6C3}" type="datetimeFigureOut">
               <a:rPr lang="zh-CN" altLang="en-US" smtClean="0"/>
-              <a:t>2021/7/2/Fri</a:t>
+              <a:t>2021/7/8/Thu</a:t>
             </a:fld>
             <a:endParaRPr lang="zh-CN" altLang="en-US"/>
           </a:p>
@@ -2065,7 +2073,7 @@
           <a:p>
             <a:fld id="{A5375E63-EA1B-4A03-8D52-4A855D3BF6C3}" type="datetimeFigureOut">
               <a:rPr lang="zh-CN" altLang="en-US" smtClean="0"/>
-              <a:t>2021/7/2/Fri</a:t>
+              <a:t>2021/7/8/Thu</a:t>
             </a:fld>
             <a:endParaRPr lang="zh-CN" altLang="en-US"/>
           </a:p>
@@ -2376,7 +2384,7 @@
           <a:p>
             <a:fld id="{A5375E63-EA1B-4A03-8D52-4A855D3BF6C3}" type="datetimeFigureOut">
               <a:rPr lang="zh-CN" altLang="en-US" smtClean="0"/>
-              <a:t>2021/7/2/Fri</a:t>
+              <a:t>2021/7/8/Thu</a:t>
             </a:fld>
             <a:endParaRPr lang="zh-CN" altLang="en-US"/>
           </a:p>
@@ -2664,7 +2672,7 @@
           <a:p>
             <a:fld id="{A5375E63-EA1B-4A03-8D52-4A855D3BF6C3}" type="datetimeFigureOut">
               <a:rPr lang="zh-CN" altLang="en-US" smtClean="0"/>
-              <a:t>2021/7/2/Fri</a:t>
+              <a:t>2021/7/8/Thu</a:t>
             </a:fld>
             <a:endParaRPr lang="zh-CN" altLang="en-US"/>
           </a:p>
@@ -2905,7 +2913,7 @@
           <a:p>
             <a:fld id="{A5375E63-EA1B-4A03-8D52-4A855D3BF6C3}" type="datetimeFigureOut">
               <a:rPr lang="zh-CN" altLang="en-US" smtClean="0"/>
-              <a:t>2021/7/2/Fri</a:t>
+              <a:t>2021/7/8/Thu</a:t>
             </a:fld>
             <a:endParaRPr lang="zh-CN" altLang="en-US"/>
           </a:p>
@@ -4123,6 +4131,564 @@
 </p:sld>
 </file>
 
+<file path=ppt/slides/slide3.xml><?xml version="1.0" encoding="utf-8"?>
+<p:sld xmlns:a="http://schemas.openxmlformats.org/drawingml/2006/main" xmlns:r="http://schemas.openxmlformats.org/officeDocument/2006/relationships" xmlns:p="http://schemas.openxmlformats.org/presentationml/2006/main">
+  <p:cSld>
+    <p:spTree>
+      <p:nvGrpSpPr>
+        <p:cNvPr id="1" name=""/>
+        <p:cNvGrpSpPr/>
+        <p:nvPr/>
+      </p:nvGrpSpPr>
+      <p:grpSpPr>
+        <a:xfrm>
+          <a:off x="0" y="0"/>
+          <a:ext cx="0" cy="0"/>
+          <a:chOff x="0" y="0"/>
+          <a:chExt cx="0" cy="0"/>
+        </a:xfrm>
+      </p:grpSpPr>
+      <p:pic>
+        <p:nvPicPr>
+          <p:cNvPr id="2050" name="Picture 2">
+            <a:extLst>
+              <a:ext uri="{FF2B5EF4-FFF2-40B4-BE49-F238E27FC236}">
+                <a16:creationId xmlns:a16="http://schemas.microsoft.com/office/drawing/2014/main" id="{39CEB243-6DC7-4F1F-8929-565EDE371AB3}"/>
+              </a:ext>
+            </a:extLst>
+          </p:cNvPr>
+          <p:cNvPicPr>
+            <a:picLocks noChangeAspect="1" noChangeArrowheads="1"/>
+          </p:cNvPicPr>
+          <p:nvPr/>
+        </p:nvPicPr>
+        <p:blipFill>
+          <a:blip r:embed="rId2">
+            <a:extLst>
+              <a:ext uri="{28A0092B-C50C-407E-A947-70E740481C1C}">
+                <a14:useLocalDpi xmlns:a14="http://schemas.microsoft.com/office/drawing/2010/main" val="0"/>
+              </a:ext>
+            </a:extLst>
+          </a:blip>
+          <a:srcRect/>
+          <a:stretch>
+            <a:fillRect/>
+          </a:stretch>
+        </p:blipFill>
+        <p:spPr bwMode="auto">
+          <a:xfrm>
+            <a:off x="0" y="2572457"/>
+            <a:ext cx="12084685" cy="2857673"/>
+          </a:xfrm>
+          <a:prstGeom prst="rect">
+            <a:avLst/>
+          </a:prstGeom>
+          <a:noFill/>
+          <a:extLst>
+            <a:ext uri="{909E8E84-426E-40DD-AFC4-6F175D3DCCD1}">
+              <a14:hiddenFill xmlns:a14="http://schemas.microsoft.com/office/drawing/2010/main">
+                <a:solidFill>
+                  <a:srgbClr val="FFFFFF"/>
+                </a:solidFill>
+              </a14:hiddenFill>
+            </a:ext>
+          </a:extLst>
+        </p:spPr>
+      </p:pic>
+    </p:spTree>
+    <p:extLst>
+      <p:ext uri="{BB962C8B-B14F-4D97-AF65-F5344CB8AC3E}">
+        <p14:creationId xmlns:p14="http://schemas.microsoft.com/office/powerpoint/2010/main" val="2103045226"/>
+      </p:ext>
+    </p:extLst>
+  </p:cSld>
+  <p:clrMapOvr>
+    <a:masterClrMapping/>
+  </p:clrMapOvr>
+</p:sld>
+</file>
+
+<file path=ppt/slides/slide4.xml><?xml version="1.0" encoding="utf-8"?>
+<p:sld xmlns:a="http://schemas.openxmlformats.org/drawingml/2006/main" xmlns:r="http://schemas.openxmlformats.org/officeDocument/2006/relationships" xmlns:p="http://schemas.openxmlformats.org/presentationml/2006/main">
+  <p:cSld>
+    <p:spTree>
+      <p:nvGrpSpPr>
+        <p:cNvPr id="1" name=""/>
+        <p:cNvGrpSpPr/>
+        <p:nvPr/>
+      </p:nvGrpSpPr>
+      <p:grpSpPr>
+        <a:xfrm>
+          <a:off x="0" y="0"/>
+          <a:ext cx="0" cy="0"/>
+          <a:chOff x="0" y="0"/>
+          <a:chExt cx="0" cy="0"/>
+        </a:xfrm>
+      </p:grpSpPr>
+      <p:sp>
+        <p:nvSpPr>
+          <p:cNvPr id="4" name="文本框 3">
+            <a:extLst>
+              <a:ext uri="{FF2B5EF4-FFF2-40B4-BE49-F238E27FC236}">
+                <a16:creationId xmlns:a16="http://schemas.microsoft.com/office/drawing/2014/main" id="{F778B9F8-91EC-480D-9B4B-3930FC9F6FB0}"/>
+              </a:ext>
+            </a:extLst>
+          </p:cNvPr>
+          <p:cNvSpPr txBox="1"/>
+          <p:nvPr/>
+        </p:nvSpPr>
+        <p:spPr>
+          <a:xfrm>
+            <a:off x="8585200" y="1747520"/>
+            <a:ext cx="2062480" cy="1296637"/>
+          </a:xfrm>
+          <a:prstGeom prst="rect">
+            <a:avLst/>
+          </a:prstGeom>
+          <a:noFill/>
+        </p:spPr>
+        <p:txBody>
+          <a:bodyPr wrap="square" rtlCol="0">
+            <a:spAutoFit/>
+          </a:bodyPr>
+          <a:lstStyle/>
+          <a:p>
+            <a:pPr>
+              <a:lnSpc>
+                <a:spcPct val="150000"/>
+              </a:lnSpc>
+            </a:pPr>
+            <a:r>
+              <a:rPr lang="zh-CN" altLang="en-US" dirty="0"/>
+              <a:t>选择（</a:t>
+            </a:r>
+            <a:r>
+              <a:rPr lang="en-US" altLang="zh-CN" dirty="0"/>
+              <a:t>30</a:t>
+            </a:r>
+            <a:r>
+              <a:rPr lang="zh-CN" altLang="en-US" dirty="0"/>
+              <a:t>）</a:t>
+            </a:r>
+            <a:endParaRPr lang="en-US" altLang="zh-CN" dirty="0"/>
+          </a:p>
+          <a:p>
+            <a:pPr>
+              <a:lnSpc>
+                <a:spcPct val="150000"/>
+              </a:lnSpc>
+            </a:pPr>
+            <a:r>
+              <a:rPr lang="zh-CN" altLang="en-US" dirty="0"/>
+              <a:t>填空（</a:t>
+            </a:r>
+            <a:r>
+              <a:rPr lang="en-US" altLang="zh-CN" dirty="0"/>
+              <a:t>20</a:t>
+            </a:r>
+            <a:r>
+              <a:rPr lang="zh-CN" altLang="en-US" dirty="0"/>
+              <a:t>）</a:t>
+            </a:r>
+            <a:endParaRPr lang="en-US" altLang="zh-CN" dirty="0"/>
+          </a:p>
+          <a:p>
+            <a:pPr>
+              <a:lnSpc>
+                <a:spcPct val="150000"/>
+              </a:lnSpc>
+            </a:pPr>
+            <a:r>
+              <a:rPr lang="zh-CN" altLang="en-US" dirty="0"/>
+              <a:t>解答（</a:t>
+            </a:r>
+            <a:r>
+              <a:rPr lang="en-US" altLang="zh-CN" dirty="0"/>
+              <a:t>50</a:t>
+            </a:r>
+            <a:r>
+              <a:rPr lang="zh-CN" altLang="en-US" dirty="0"/>
+              <a:t>）</a:t>
+            </a:r>
+          </a:p>
+        </p:txBody>
+      </p:sp>
+      <p:sp>
+        <p:nvSpPr>
+          <p:cNvPr id="5" name="文本框 4">
+            <a:extLst>
+              <a:ext uri="{FF2B5EF4-FFF2-40B4-BE49-F238E27FC236}">
+                <a16:creationId xmlns:a16="http://schemas.microsoft.com/office/drawing/2014/main" id="{8E9671A0-8B53-4C31-AE5B-044D65405F43}"/>
+              </a:ext>
+            </a:extLst>
+          </p:cNvPr>
+          <p:cNvSpPr txBox="1"/>
+          <p:nvPr/>
+        </p:nvSpPr>
+        <p:spPr>
+          <a:xfrm>
+            <a:off x="3708400" y="1747520"/>
+            <a:ext cx="2174240" cy="1296637"/>
+          </a:xfrm>
+          <a:prstGeom prst="rect">
+            <a:avLst/>
+          </a:prstGeom>
+          <a:noFill/>
+        </p:spPr>
+        <p:txBody>
+          <a:bodyPr wrap="square" rtlCol="0">
+            <a:spAutoFit/>
+          </a:bodyPr>
+          <a:lstStyle/>
+          <a:p>
+            <a:pPr>
+              <a:lnSpc>
+                <a:spcPct val="150000"/>
+              </a:lnSpc>
+            </a:pPr>
+            <a:r>
+              <a:rPr lang="zh-CN" altLang="en-US" dirty="0"/>
+              <a:t>选择（</a:t>
+            </a:r>
+            <a:r>
+              <a:rPr lang="en-US" altLang="zh-CN" dirty="0"/>
+              <a:t>10</a:t>
+            </a:r>
+            <a:r>
+              <a:rPr lang="zh-CN" altLang="en-US" dirty="0"/>
+              <a:t>）</a:t>
+            </a:r>
+            <a:endParaRPr lang="en-US" altLang="zh-CN" dirty="0"/>
+          </a:p>
+          <a:p>
+            <a:pPr>
+              <a:lnSpc>
+                <a:spcPct val="150000"/>
+              </a:lnSpc>
+            </a:pPr>
+            <a:r>
+              <a:rPr lang="zh-CN" altLang="en-US" dirty="0"/>
+              <a:t>填空（</a:t>
+            </a:r>
+            <a:r>
+              <a:rPr lang="en-US" altLang="zh-CN" dirty="0"/>
+              <a:t>10</a:t>
+            </a:r>
+            <a:r>
+              <a:rPr lang="zh-CN" altLang="en-US" dirty="0"/>
+              <a:t>）</a:t>
+            </a:r>
+            <a:endParaRPr lang="en-US" altLang="zh-CN" dirty="0"/>
+          </a:p>
+          <a:p>
+            <a:pPr>
+              <a:lnSpc>
+                <a:spcPct val="150000"/>
+              </a:lnSpc>
+            </a:pPr>
+            <a:r>
+              <a:rPr lang="zh-CN" altLang="en-US" dirty="0"/>
+              <a:t>解答（</a:t>
+            </a:r>
+            <a:r>
+              <a:rPr lang="en-US" altLang="zh-CN" dirty="0"/>
+              <a:t>10</a:t>
+            </a:r>
+            <a:r>
+              <a:rPr lang="zh-CN" altLang="en-US" dirty="0"/>
+              <a:t>）</a:t>
+            </a:r>
+          </a:p>
+        </p:txBody>
+      </p:sp>
+      <p:sp>
+        <p:nvSpPr>
+          <p:cNvPr id="6" name="文本框 5">
+            <a:extLst>
+              <a:ext uri="{FF2B5EF4-FFF2-40B4-BE49-F238E27FC236}">
+                <a16:creationId xmlns:a16="http://schemas.microsoft.com/office/drawing/2014/main" id="{3A4F588A-A616-4376-9515-E889C83EB916}"/>
+              </a:ext>
+            </a:extLst>
+          </p:cNvPr>
+          <p:cNvSpPr txBox="1"/>
+          <p:nvPr/>
+        </p:nvSpPr>
+        <p:spPr>
+          <a:xfrm>
+            <a:off x="3708400" y="1107440"/>
+            <a:ext cx="1351280" cy="369332"/>
+          </a:xfrm>
+          <a:prstGeom prst="rect">
+            <a:avLst/>
+          </a:prstGeom>
+          <a:noFill/>
+        </p:spPr>
+        <p:txBody>
+          <a:bodyPr wrap="square" rtlCol="0">
+            <a:spAutoFit/>
+          </a:bodyPr>
+          <a:lstStyle/>
+          <a:p>
+            <a:r>
+              <a:rPr lang="en-US" altLang="zh-CN" dirty="0"/>
+              <a:t>output</a:t>
+            </a:r>
+            <a:endParaRPr lang="zh-CN" altLang="en-US" dirty="0"/>
+          </a:p>
+        </p:txBody>
+      </p:sp>
+      <p:sp>
+        <p:nvSpPr>
+          <p:cNvPr id="7" name="文本框 6">
+            <a:extLst>
+              <a:ext uri="{FF2B5EF4-FFF2-40B4-BE49-F238E27FC236}">
+                <a16:creationId xmlns:a16="http://schemas.microsoft.com/office/drawing/2014/main" id="{C6F5752C-E2E3-42D2-9F0A-2081F36B257C}"/>
+              </a:ext>
+            </a:extLst>
+          </p:cNvPr>
+          <p:cNvSpPr txBox="1"/>
+          <p:nvPr/>
+        </p:nvSpPr>
+        <p:spPr>
+          <a:xfrm>
+            <a:off x="8585200" y="1107440"/>
+            <a:ext cx="1351280" cy="369332"/>
+          </a:xfrm>
+          <a:prstGeom prst="rect">
+            <a:avLst/>
+          </a:prstGeom>
+          <a:noFill/>
+        </p:spPr>
+        <p:txBody>
+          <a:bodyPr wrap="square" rtlCol="0">
+            <a:spAutoFit/>
+          </a:bodyPr>
+          <a:lstStyle/>
+          <a:p>
+            <a:r>
+              <a:rPr lang="en-US" altLang="zh-CN" dirty="0"/>
+              <a:t>target</a:t>
+            </a:r>
+            <a:endParaRPr lang="zh-CN" altLang="en-US" dirty="0"/>
+          </a:p>
+        </p:txBody>
+      </p:sp>
+      <p:sp>
+        <p:nvSpPr>
+          <p:cNvPr id="8" name="文本框 7">
+            <a:extLst>
+              <a:ext uri="{FF2B5EF4-FFF2-40B4-BE49-F238E27FC236}">
+                <a16:creationId xmlns:a16="http://schemas.microsoft.com/office/drawing/2014/main" id="{A52A2CED-3066-48D8-803B-20D4A71FDFF4}"/>
+              </a:ext>
+            </a:extLst>
+          </p:cNvPr>
+          <p:cNvSpPr txBox="1"/>
+          <p:nvPr/>
+        </p:nvSpPr>
+        <p:spPr>
+          <a:xfrm>
+            <a:off x="3982720" y="3637280"/>
+            <a:ext cx="6024880" cy="1200329"/>
+          </a:xfrm>
+          <a:prstGeom prst="rect">
+            <a:avLst/>
+          </a:prstGeom>
+          <a:noFill/>
+        </p:spPr>
+        <p:txBody>
+          <a:bodyPr wrap="square" rtlCol="0">
+            <a:spAutoFit/>
+          </a:bodyPr>
+          <a:lstStyle/>
+          <a:p>
+            <a:r>
+              <a:rPr lang="en-US" altLang="zh-CN" dirty="0"/>
+              <a:t>Loss=(30-10)+(20-10)+(50-10)</a:t>
+            </a:r>
+          </a:p>
+          <a:p>
+            <a:endParaRPr lang="en-US" altLang="zh-CN" dirty="0"/>
+          </a:p>
+          <a:p>
+            <a:r>
+              <a:rPr lang="en-US" altLang="zh-CN" dirty="0"/>
+              <a:t>1.</a:t>
+            </a:r>
+            <a:r>
+              <a:rPr lang="zh-CN" altLang="en-US" dirty="0"/>
+              <a:t>计算实际输出和目标之间的差距</a:t>
+            </a:r>
+            <a:endParaRPr lang="en-US" altLang="zh-CN" dirty="0"/>
+          </a:p>
+          <a:p>
+            <a:r>
+              <a:rPr lang="en-US" altLang="zh-CN" dirty="0"/>
+              <a:t>2.</a:t>
+            </a:r>
+            <a:r>
+              <a:rPr lang="zh-CN" altLang="en-US" dirty="0"/>
+              <a:t>为我们更新输出提供一定的依据（方向传播）</a:t>
+            </a:r>
+          </a:p>
+        </p:txBody>
+      </p:sp>
+      <p:sp>
+        <p:nvSpPr>
+          <p:cNvPr id="3" name="文本框 2">
+            <a:extLst>
+              <a:ext uri="{FF2B5EF4-FFF2-40B4-BE49-F238E27FC236}">
+                <a16:creationId xmlns:a16="http://schemas.microsoft.com/office/drawing/2014/main" id="{D5011CF3-B612-442F-92CD-A8F8BD36844D}"/>
+              </a:ext>
+            </a:extLst>
+          </p:cNvPr>
+          <p:cNvSpPr txBox="1"/>
+          <p:nvPr/>
+        </p:nvSpPr>
+        <p:spPr>
+          <a:xfrm>
+            <a:off x="28574" y="1257300"/>
+            <a:ext cx="3130551" cy="1200329"/>
+          </a:xfrm>
+          <a:prstGeom prst="rect">
+            <a:avLst/>
+          </a:prstGeom>
+          <a:noFill/>
+        </p:spPr>
+        <p:txBody>
+          <a:bodyPr wrap="square" rtlCol="0">
+            <a:spAutoFit/>
+          </a:bodyPr>
+          <a:lstStyle/>
+          <a:p>
+            <a:r>
+              <a:rPr lang="en-US" altLang="zh-CN" dirty="0"/>
+              <a:t>X: 1 2 3</a:t>
+            </a:r>
+          </a:p>
+          <a:p>
+            <a:r>
+              <a:rPr lang="en-US" altLang="zh-CN" dirty="0"/>
+              <a:t>Y:2 2 5</a:t>
+            </a:r>
+          </a:p>
+          <a:p>
+            <a:r>
+              <a:rPr lang="en-US" altLang="zh-CN" dirty="0"/>
+              <a:t>Loss1=(0-0)+(1-1)+(|5-3|)/3</a:t>
+            </a:r>
+          </a:p>
+          <a:p>
+            <a:r>
+              <a:rPr lang="en-US" altLang="zh-CN" dirty="0"/>
+              <a:t>=0.6</a:t>
+            </a:r>
+            <a:endParaRPr lang="zh-CN" altLang="en-US" dirty="0"/>
+          </a:p>
+        </p:txBody>
+      </p:sp>
+    </p:spTree>
+    <p:extLst>
+      <p:ext uri="{BB962C8B-B14F-4D97-AF65-F5344CB8AC3E}">
+        <p14:creationId xmlns:p14="http://schemas.microsoft.com/office/powerpoint/2010/main" val="1347735587"/>
+      </p:ext>
+    </p:extLst>
+  </p:cSld>
+  <p:clrMapOvr>
+    <a:masterClrMapping/>
+  </p:clrMapOvr>
+</p:sld>
+</file>
+
+<file path=ppt/slides/slide5.xml><?xml version="1.0" encoding="utf-8"?>
+<p:sld xmlns:a="http://schemas.openxmlformats.org/drawingml/2006/main" xmlns:r="http://schemas.openxmlformats.org/officeDocument/2006/relationships" xmlns:p="http://schemas.openxmlformats.org/presentationml/2006/main">
+  <p:cSld>
+    <p:spTree>
+      <p:nvGrpSpPr>
+        <p:cNvPr id="1" name=""/>
+        <p:cNvGrpSpPr/>
+        <p:nvPr/>
+      </p:nvGrpSpPr>
+      <p:grpSpPr>
+        <a:xfrm>
+          <a:off x="0" y="0"/>
+          <a:ext cx="0" cy="0"/>
+          <a:chOff x="0" y="0"/>
+          <a:chExt cx="0" cy="0"/>
+        </a:xfrm>
+      </p:grpSpPr>
+      <p:pic>
+        <p:nvPicPr>
+          <p:cNvPr id="5" name="图片 4">
+            <a:extLst>
+              <a:ext uri="{FF2B5EF4-FFF2-40B4-BE49-F238E27FC236}">
+                <a16:creationId xmlns:a16="http://schemas.microsoft.com/office/drawing/2014/main" id="{D891EB8D-9C08-4F87-BD38-7CD412867DE0}"/>
+              </a:ext>
+            </a:extLst>
+          </p:cNvPr>
+          <p:cNvPicPr>
+            <a:picLocks noChangeAspect="1"/>
+          </p:cNvPicPr>
+          <p:nvPr/>
+        </p:nvPicPr>
+        <p:blipFill>
+          <a:blip r:embed="rId2"/>
+          <a:stretch>
+            <a:fillRect/>
+          </a:stretch>
+        </p:blipFill>
+        <p:spPr>
+          <a:xfrm>
+            <a:off x="685475" y="565727"/>
+            <a:ext cx="11032412" cy="1948873"/>
+          </a:xfrm>
+          <a:prstGeom prst="rect">
+            <a:avLst/>
+          </a:prstGeom>
+        </p:spPr>
+      </p:pic>
+      <p:pic>
+        <p:nvPicPr>
+          <p:cNvPr id="9" name="图片 8">
+            <a:extLst>
+              <a:ext uri="{FF2B5EF4-FFF2-40B4-BE49-F238E27FC236}">
+                <a16:creationId xmlns:a16="http://schemas.microsoft.com/office/drawing/2014/main" id="{6B0AEEFE-2686-4646-B3E1-D7407893B1D7}"/>
+              </a:ext>
+            </a:extLst>
+          </p:cNvPr>
+          <p:cNvPicPr>
+            <a:picLocks noChangeAspect="1"/>
+          </p:cNvPicPr>
+          <p:nvPr/>
+        </p:nvPicPr>
+        <p:blipFill>
+          <a:blip r:embed="rId3"/>
+          <a:stretch>
+            <a:fillRect/>
+          </a:stretch>
+        </p:blipFill>
+        <p:spPr>
+          <a:xfrm>
+            <a:off x="111578" y="0"/>
+            <a:ext cx="12180205" cy="6858000"/>
+          </a:xfrm>
+          <a:prstGeom prst="rect">
+            <a:avLst/>
+          </a:prstGeom>
+        </p:spPr>
+      </p:pic>
+    </p:spTree>
+    <p:extLst>
+      <p:ext uri="{BB962C8B-B14F-4D97-AF65-F5344CB8AC3E}">
+        <p14:creationId xmlns:p14="http://schemas.microsoft.com/office/powerpoint/2010/main" val="2203544363"/>
+      </p:ext>
+    </p:extLst>
+  </p:cSld>
+  <p:clrMapOvr>
+    <a:masterClrMapping/>
+  </p:clrMapOvr>
+</p:sld>
+</file>
+
 <file path=ppt/theme/theme1.xml><?xml version="1.0" encoding="utf-8"?>
 <a:theme xmlns:a="http://schemas.openxmlformats.org/drawingml/2006/main" name="Office 主题​​">
   <a:themeElements>
